--- a/FrontEnd/Week3/Week3.pptx
+++ b/FrontEnd/Week3/Week3.pptx
@@ -3101,7 +3101,14 @@
           <a:bodyPr/>
           <a:lstStyle/>
           <a:p>
-            <a:endParaRPr lang="en-US"/>
+            <a:r>
+              <a:rPr lang="en-US" dirty="0" err="1"/>
+              <a:t>em</a:t>
+            </a:r>
+            <a:r>
+              <a:rPr lang="en-US"/>
+              <a:t> &amp; rem</a:t>
+            </a:r>
           </a:p>
         </p:txBody>
       </p:sp>
@@ -3651,9 +3658,12 @@
             </a:r>
           </a:p>
           <a:p>
-            <a:r>
-              <a:rPr lang="en-US" dirty="0"/>
-              <a:t> We put all this information in style sheets: text files that define CSS selectors and rules for how to style our HTML elements.</a:t>
+            <a:endParaRPr lang="en-US" dirty="0"/>
+          </a:p>
+          <a:p>
+            <a:r>
+              <a:rPr lang="en-US" dirty="0"/>
+              <a:t>We put all this information in style sheets: text files that define CSS selectors and rules for how to style our HTML elements.</a:t>
             </a:r>
           </a:p>
         </p:txBody>
@@ -3764,7 +3774,19 @@
             </a:pPr>
             <a:r>
               <a:rPr lang="en-US" dirty="0"/>
-              <a:t>	a selector, specifying the element(s) that should have the 	rules applied</a:t>
+              <a:t>	</a:t>
+            </a:r>
+            <a:r>
+              <a:rPr lang="en-US" dirty="0">
+                <a:solidFill>
+                  <a:srgbClr val="FFFF00"/>
+                </a:solidFill>
+              </a:rPr>
+              <a:t>a selector</a:t>
+            </a:r>
+            <a:r>
+              <a:rPr lang="en-US" dirty="0"/>
+              <a:t>, specifying the element(s) that should have the 	rules applied</a:t>
             </a:r>
           </a:p>
           <a:p>
@@ -3773,7 +3795,19 @@
             </a:pPr>
             <a:r>
               <a:rPr lang="en-US" dirty="0"/>
-              <a:t>	one or more declarations, which are key/value pairs 	surrounded by {...} braces</a:t>
+              <a:t>	</a:t>
+            </a:r>
+            <a:r>
+              <a:rPr lang="en-US" dirty="0">
+                <a:solidFill>
+                  <a:srgbClr val="FFFF00"/>
+                </a:solidFill>
+              </a:rPr>
+              <a:t>one or more declarations</a:t>
+            </a:r>
+            <a:r>
+              <a:rPr lang="en-US" dirty="0"/>
+              <a:t>, which are key/value pairs 	surrounded by {...} braces</a:t>
             </a:r>
           </a:p>
           <a:p>
@@ -3905,7 +3939,7 @@
             <a:pPr lvl="1"/>
             <a:r>
               <a:rPr lang="en-US" dirty="0"/>
-              <a:t>Inline</a:t>
+              <a:t>Inline – not recommended</a:t>
             </a:r>
           </a:p>
           <a:p>
